--- a/00Summary/01ScalingLaw/Pretraining Scaling.pptx
+++ b/00Summary/01ScalingLaw/Pretraining Scaling.pptx
@@ -237,7 +237,7 @@
           <a:p>
             <a:fld id="{E8CF71B8-DF2A-2E41-BE66-2E18A767DA8A}" type="datetimeFigureOut">
               <a:rPr lang="en-US" smtClean="0"/>
-              <a:t>7/15/2025</a:t>
+              <a:t>8/4/2025</a:t>
             </a:fld>
             <a:endParaRPr lang="en-US"/>
           </a:p>
@@ -414,7 +414,7 @@
           <a:p>
             <a:fld id="{0DD60A27-BF12-6744-9E93-932A0E34D8BB}" type="datetimeFigureOut">
               <a:rPr lang="en-US" smtClean="0"/>
-              <a:t>7/15/2025</a:t>
+              <a:t>8/2/2025</a:t>
             </a:fld>
             <a:endParaRPr lang="en-US"/>
           </a:p>
@@ -37743,7 +37743,27 @@
                 <a:latin typeface="Lexend" pitchFamily="2" charset="0"/>
                 <a:ea typeface="微软雅黑" pitchFamily="34" charset="-122"/>
               </a:rPr>
-              <a:t>当固定非嵌入参数总数时，性能对</a:t>
+              <a:t>当</a:t>
+            </a:r>
+            <a:r>
+              <a:rPr lang="zh-CN" altLang="en-US" sz="2000" kern="0">
+                <a:solidFill>
+                  <a:srgbClr val="374154"/>
+                </a:solidFill>
+                <a:latin typeface="Lexend" pitchFamily="2" charset="0"/>
+                <a:ea typeface="微软雅黑" pitchFamily="34" charset="-122"/>
+              </a:rPr>
+              <a:t>固定模型规模时</a:t>
+            </a:r>
+            <a:r>
+              <a:rPr lang="zh-CN" altLang="en-US" sz="2000" kern="0" dirty="0">
+                <a:solidFill>
+                  <a:srgbClr val="374154"/>
+                </a:solidFill>
+                <a:latin typeface="Lexend" pitchFamily="2" charset="0"/>
+                <a:ea typeface="微软雅黑" pitchFamily="34" charset="-122"/>
+              </a:rPr>
+              <a:t>，性能对</a:t>
             </a:r>
             <a:r>
               <a:rPr lang="zh-CN" altLang="en-US" sz="2000" b="1" kern="0" dirty="0">
